--- a/docs/lessons/4.2-mth361-random-variables-and-probability/two-coin-toss-rv.pptx
+++ b/docs/lessons/4.2-mth361-random-variables-and-probability/two-coin-toss-rv.pptx
@@ -243,7 +243,7 @@
           <a:p>
             <a:fld id="{0F65A48C-6DF2-4BCC-8D5F-63605A6E0CE1}" type="datetimeFigureOut">
               <a:rPr lang="en-US" smtClean="0"/>
-              <a:t>2/15/2025</a:t>
+              <a:t>2/20/2025</a:t>
             </a:fld>
             <a:endParaRPr lang="en-US"/>
           </a:p>
@@ -413,7 +413,7 @@
           <a:p>
             <a:fld id="{0F65A48C-6DF2-4BCC-8D5F-63605A6E0CE1}" type="datetimeFigureOut">
               <a:rPr lang="en-US" smtClean="0"/>
-              <a:t>2/15/2025</a:t>
+              <a:t>2/20/2025</a:t>
             </a:fld>
             <a:endParaRPr lang="en-US"/>
           </a:p>
@@ -593,7 +593,7 @@
           <a:p>
             <a:fld id="{0F65A48C-6DF2-4BCC-8D5F-63605A6E0CE1}" type="datetimeFigureOut">
               <a:rPr lang="en-US" smtClean="0"/>
-              <a:t>2/15/2025</a:t>
+              <a:t>2/20/2025</a:t>
             </a:fld>
             <a:endParaRPr lang="en-US"/>
           </a:p>
@@ -763,7 +763,7 @@
           <a:p>
             <a:fld id="{0F65A48C-6DF2-4BCC-8D5F-63605A6E0CE1}" type="datetimeFigureOut">
               <a:rPr lang="en-US" smtClean="0"/>
-              <a:t>2/15/2025</a:t>
+              <a:t>2/20/2025</a:t>
             </a:fld>
             <a:endParaRPr lang="en-US"/>
           </a:p>
@@ -1009,7 +1009,7 @@
           <a:p>
             <a:fld id="{0F65A48C-6DF2-4BCC-8D5F-63605A6E0CE1}" type="datetimeFigureOut">
               <a:rPr lang="en-US" smtClean="0"/>
-              <a:t>2/15/2025</a:t>
+              <a:t>2/20/2025</a:t>
             </a:fld>
             <a:endParaRPr lang="en-US"/>
           </a:p>
@@ -1241,7 +1241,7 @@
           <a:p>
             <a:fld id="{0F65A48C-6DF2-4BCC-8D5F-63605A6E0CE1}" type="datetimeFigureOut">
               <a:rPr lang="en-US" smtClean="0"/>
-              <a:t>2/15/2025</a:t>
+              <a:t>2/20/2025</a:t>
             </a:fld>
             <a:endParaRPr lang="en-US"/>
           </a:p>
@@ -1608,7 +1608,7 @@
           <a:p>
             <a:fld id="{0F65A48C-6DF2-4BCC-8D5F-63605A6E0CE1}" type="datetimeFigureOut">
               <a:rPr lang="en-US" smtClean="0"/>
-              <a:t>2/15/2025</a:t>
+              <a:t>2/20/2025</a:t>
             </a:fld>
             <a:endParaRPr lang="en-US"/>
           </a:p>
@@ -1726,7 +1726,7 @@
           <a:p>
             <a:fld id="{0F65A48C-6DF2-4BCC-8D5F-63605A6E0CE1}" type="datetimeFigureOut">
               <a:rPr lang="en-US" smtClean="0"/>
-              <a:t>2/15/2025</a:t>
+              <a:t>2/20/2025</a:t>
             </a:fld>
             <a:endParaRPr lang="en-US"/>
           </a:p>
@@ -1821,7 +1821,7 @@
           <a:p>
             <a:fld id="{0F65A48C-6DF2-4BCC-8D5F-63605A6E0CE1}" type="datetimeFigureOut">
               <a:rPr lang="en-US" smtClean="0"/>
-              <a:t>2/15/2025</a:t>
+              <a:t>2/20/2025</a:t>
             </a:fld>
             <a:endParaRPr lang="en-US"/>
           </a:p>
@@ -2098,7 +2098,7 @@
           <a:p>
             <a:fld id="{0F65A48C-6DF2-4BCC-8D5F-63605A6E0CE1}" type="datetimeFigureOut">
               <a:rPr lang="en-US" smtClean="0"/>
-              <a:t>2/15/2025</a:t>
+              <a:t>2/20/2025</a:t>
             </a:fld>
             <a:endParaRPr lang="en-US"/>
           </a:p>
@@ -2355,7 +2355,7 @@
           <a:p>
             <a:fld id="{0F65A48C-6DF2-4BCC-8D5F-63605A6E0CE1}" type="datetimeFigureOut">
               <a:rPr lang="en-US" smtClean="0"/>
-              <a:t>2/15/2025</a:t>
+              <a:t>2/20/2025</a:t>
             </a:fld>
             <a:endParaRPr lang="en-US"/>
           </a:p>
@@ -2568,7 +2568,7 @@
           <a:p>
             <a:fld id="{0F65A48C-6DF2-4BCC-8D5F-63605A6E0CE1}" type="datetimeFigureOut">
               <a:rPr lang="en-US" smtClean="0"/>
-              <a:t>2/15/2025</a:t>
+              <a:t>2/20/2025</a:t>
             </a:fld>
             <a:endParaRPr lang="en-US"/>
           </a:p>
@@ -3191,8 +3191,8 @@
           </a:p>
         </p:txBody>
       </p:sp>
-      <mc:AlternateContent xmlns:mc="http://schemas.openxmlformats.org/markup-compatibility/2006" xmlns:a14="http://schemas.microsoft.com/office/drawing/2010/main">
-        <mc:Choice Requires="a14">
+      <mc:AlternateContent xmlns:mc="http://schemas.openxmlformats.org/markup-compatibility/2006">
+        <mc:Choice xmlns:a14="http://schemas.microsoft.com/office/drawing/2010/main" Requires="a14">
           <p:sp>
             <p:nvSpPr>
               <p:cNvPr id="8" name="TextBox 7">
@@ -3207,7 +3207,7 @@
             </p:nvSpPr>
             <p:spPr>
               <a:xfrm>
-                <a:off x="3200832" y="1557875"/>
+                <a:off x="3207654" y="1612001"/>
                 <a:ext cx="445635" cy="430887"/>
               </a:xfrm>
               <a:prstGeom prst="rect">
@@ -3254,7 +3254,7 @@
             </p:txBody>
           </p:sp>
         </mc:Choice>
-        <mc:Fallback xmlns="">
+        <mc:Fallback>
           <p:sp>
             <p:nvSpPr>
               <p:cNvPr id="8" name="TextBox 7">
@@ -3271,7 +3271,7 @@
             </p:nvSpPr>
             <p:spPr>
               <a:xfrm>
-                <a:off x="3200832" y="1557875"/>
+                <a:off x="3207654" y="1612001"/>
                 <a:ext cx="445635" cy="430887"/>
               </a:xfrm>
               <a:prstGeom prst="rect">
@@ -3462,8 +3462,8 @@
           </a:p>
         </p:txBody>
       </p:sp>
-      <mc:AlternateContent xmlns:mc="http://schemas.openxmlformats.org/markup-compatibility/2006" xmlns:a14="http://schemas.microsoft.com/office/drawing/2010/main">
-        <mc:Choice Requires="a14">
+      <mc:AlternateContent xmlns:mc="http://schemas.openxmlformats.org/markup-compatibility/2006">
+        <mc:Choice xmlns:a14="http://schemas.microsoft.com/office/drawing/2010/main" Requires="a14">
           <p:sp>
             <p:nvSpPr>
               <p:cNvPr id="20" name="TextBox 19">
@@ -3478,7 +3478,7 @@
             </p:nvSpPr>
             <p:spPr>
               <a:xfrm>
-                <a:off x="5808311" y="966963"/>
+                <a:off x="5837339" y="1809794"/>
                 <a:ext cx="344646" cy="461024"/>
               </a:xfrm>
               <a:prstGeom prst="rect">
@@ -3544,7 +3544,7 @@
             </p:txBody>
           </p:sp>
         </mc:Choice>
-        <mc:Fallback xmlns="">
+        <mc:Fallback>
           <p:sp>
             <p:nvSpPr>
               <p:cNvPr id="20" name="TextBox 19">
@@ -3561,7 +3561,7 @@
             </p:nvSpPr>
             <p:spPr>
               <a:xfrm>
-                <a:off x="5808311" y="966963"/>
+                <a:off x="5837339" y="1809794"/>
                 <a:ext cx="344646" cy="461024"/>
               </a:xfrm>
               <a:prstGeom prst="rect">
@@ -3925,8 +3925,8 @@
           </p:sp>
         </mc:Fallback>
       </mc:AlternateContent>
-      <mc:AlternateContent xmlns:mc="http://schemas.openxmlformats.org/markup-compatibility/2006" xmlns:a14="http://schemas.microsoft.com/office/drawing/2010/main">
-        <mc:Choice Requires="a14">
+      <mc:AlternateContent xmlns:mc="http://schemas.openxmlformats.org/markup-compatibility/2006">
+        <mc:Choice xmlns:a14="http://schemas.microsoft.com/office/drawing/2010/main" Requires="a14">
           <p:sp>
             <p:nvSpPr>
               <p:cNvPr id="3" name="TextBox 2">
@@ -3941,7 +3941,7 @@
             </p:nvSpPr>
             <p:spPr>
               <a:xfrm>
-                <a:off x="486906" y="1334875"/>
+                <a:off x="497066" y="1813702"/>
                 <a:ext cx="738985" cy="430887"/>
               </a:xfrm>
               <a:prstGeom prst="rect">
@@ -3988,7 +3988,7 @@
             </p:txBody>
           </p:sp>
         </mc:Choice>
-        <mc:Fallback xmlns="">
+        <mc:Fallback>
           <p:sp>
             <p:nvSpPr>
               <p:cNvPr id="3" name="TextBox 2">
@@ -4005,7 +4005,7 @@
             </p:nvSpPr>
             <p:spPr>
               <a:xfrm>
-                <a:off x="486906" y="1334875"/>
+                <a:off x="497066" y="1813702"/>
                 <a:ext cx="738985" cy="430887"/>
               </a:xfrm>
               <a:prstGeom prst="rect">
@@ -4033,8 +4033,8 @@
           </p:sp>
         </mc:Fallback>
       </mc:AlternateContent>
-      <mc:AlternateContent xmlns:mc="http://schemas.openxmlformats.org/markup-compatibility/2006" xmlns:a14="http://schemas.microsoft.com/office/drawing/2010/main">
-        <mc:Choice Requires="a14">
+      <mc:AlternateContent xmlns:mc="http://schemas.openxmlformats.org/markup-compatibility/2006">
+        <mc:Choice xmlns:a14="http://schemas.microsoft.com/office/drawing/2010/main" Requires="a14">
           <p:sp>
             <p:nvSpPr>
               <p:cNvPr id="4" name="TextBox 3">
@@ -4049,7 +4049,7 @@
             </p:nvSpPr>
             <p:spPr>
               <a:xfrm>
-                <a:off x="486906" y="1812204"/>
+                <a:off x="486906" y="2284972"/>
                 <a:ext cx="738985" cy="430887"/>
               </a:xfrm>
               <a:prstGeom prst="rect">
@@ -4096,7 +4096,7 @@
             </p:txBody>
           </p:sp>
         </mc:Choice>
-        <mc:Fallback xmlns="">
+        <mc:Fallback>
           <p:sp>
             <p:nvSpPr>
               <p:cNvPr id="4" name="TextBox 3">
@@ -4113,7 +4113,7 @@
             </p:nvSpPr>
             <p:spPr>
               <a:xfrm>
-                <a:off x="486906" y="1812204"/>
+                <a:off x="486906" y="2284972"/>
                 <a:ext cx="738985" cy="430887"/>
               </a:xfrm>
               <a:prstGeom prst="rect">
@@ -4141,8 +4141,8 @@
           </p:sp>
         </mc:Fallback>
       </mc:AlternateContent>
-      <mc:AlternateContent xmlns:mc="http://schemas.openxmlformats.org/markup-compatibility/2006" xmlns:a14="http://schemas.microsoft.com/office/drawing/2010/main">
-        <mc:Choice Requires="a14">
+      <mc:AlternateContent xmlns:mc="http://schemas.openxmlformats.org/markup-compatibility/2006">
+        <mc:Choice xmlns:a14="http://schemas.microsoft.com/office/drawing/2010/main" Requires="a14">
           <p:sp>
             <p:nvSpPr>
               <p:cNvPr id="10" name="TextBox 9">
@@ -4157,7 +4157,7 @@
             </p:nvSpPr>
             <p:spPr>
               <a:xfrm>
-                <a:off x="457250" y="2258205"/>
+                <a:off x="467412" y="1336150"/>
                 <a:ext cx="798295" cy="430887"/>
               </a:xfrm>
               <a:prstGeom prst="rect">
@@ -4204,7 +4204,7 @@
             </p:txBody>
           </p:sp>
         </mc:Choice>
-        <mc:Fallback xmlns="">
+        <mc:Fallback>
           <p:sp>
             <p:nvSpPr>
               <p:cNvPr id="10" name="TextBox 9">
@@ -4221,7 +4221,7 @@
             </p:nvSpPr>
             <p:spPr>
               <a:xfrm>
-                <a:off x="457250" y="2258205"/>
+                <a:off x="467412" y="1336150"/>
                 <a:ext cx="798295" cy="430887"/>
               </a:xfrm>
               <a:prstGeom prst="rect">
@@ -4249,8 +4249,8 @@
           </p:sp>
         </mc:Fallback>
       </mc:AlternateContent>
-      <mc:AlternateContent xmlns:mc="http://schemas.openxmlformats.org/markup-compatibility/2006" xmlns:a14="http://schemas.microsoft.com/office/drawing/2010/main">
-        <mc:Choice Requires="a14">
+      <mc:AlternateContent xmlns:mc="http://schemas.openxmlformats.org/markup-compatibility/2006">
+        <mc:Choice xmlns:a14="http://schemas.microsoft.com/office/drawing/2010/main" Requires="a14">
           <p:sp>
             <p:nvSpPr>
               <p:cNvPr id="13" name="TextBox 12">
@@ -4265,7 +4265,7 @@
             </p:nvSpPr>
             <p:spPr>
               <a:xfrm>
-                <a:off x="3200832" y="2136510"/>
+                <a:off x="3207654" y="2244762"/>
                 <a:ext cx="445635" cy="430887"/>
               </a:xfrm>
               <a:prstGeom prst="rect">
@@ -4312,7 +4312,7 @@
             </p:txBody>
           </p:sp>
         </mc:Choice>
-        <mc:Fallback xmlns="">
+        <mc:Fallback>
           <p:sp>
             <p:nvSpPr>
               <p:cNvPr id="13" name="TextBox 12">
@@ -4329,7 +4329,7 @@
             </p:nvSpPr>
             <p:spPr>
               <a:xfrm>
-                <a:off x="3200832" y="2136510"/>
+                <a:off x="3207654" y="2244762"/>
                 <a:ext cx="445635" cy="430887"/>
               </a:xfrm>
               <a:prstGeom prst="rect">
@@ -4421,9 +4421,9 @@
           <p:nvPr/>
         </p:nvCxnSpPr>
         <p:spPr>
-          <a:xfrm>
-            <a:off x="1225891" y="1550319"/>
-            <a:ext cx="1974941" cy="223000"/>
+          <a:xfrm flipV="1">
+            <a:off x="1236051" y="1827445"/>
+            <a:ext cx="1971603" cy="201701"/>
           </a:xfrm>
           <a:prstGeom prst="straightConnector1">
             <a:avLst/>
@@ -4469,8 +4469,8 @@
         </p:nvCxnSpPr>
         <p:spPr>
           <a:xfrm flipV="1">
-            <a:off x="1225891" y="1773319"/>
-            <a:ext cx="1974941" cy="254329"/>
+            <a:off x="1225891" y="1827445"/>
+            <a:ext cx="1981763" cy="672971"/>
           </a:xfrm>
           <a:prstGeom prst="straightConnector1">
             <a:avLst/>
@@ -4515,9 +4515,9 @@
           <p:nvPr/>
         </p:nvCxnSpPr>
         <p:spPr>
-          <a:xfrm flipV="1">
-            <a:off x="1255545" y="2351954"/>
-            <a:ext cx="1945287" cy="121695"/>
+          <a:xfrm>
+            <a:off x="1265707" y="1551594"/>
+            <a:ext cx="1941947" cy="908612"/>
           </a:xfrm>
           <a:prstGeom prst="straightConnector1">
             <a:avLst/>
@@ -4545,135 +4545,8 @@
           </a:fontRef>
         </p:style>
       </p:cxnSp>
-      <mc:AlternateContent xmlns:mc="http://schemas.openxmlformats.org/markup-compatibility/2006" xmlns:a14="http://schemas.microsoft.com/office/drawing/2010/main">
-        <mc:Choice Requires="a14">
-          <p:sp>
-            <p:nvSpPr>
-              <p:cNvPr id="35" name="TextBox 34">
-                <a:extLst>
-                  <a:ext uri="{FF2B5EF4-FFF2-40B4-BE49-F238E27FC236}">
-                    <a16:creationId xmlns:a16="http://schemas.microsoft.com/office/drawing/2014/main" id="{2873A338-5648-5041-6743-5FF2B3019BF2}"/>
-                  </a:ext>
-                </a:extLst>
-              </p:cNvPr>
-              <p:cNvSpPr txBox="1"/>
-              <p:nvPr/>
-            </p:nvSpPr>
-            <p:spPr>
-              <a:xfrm>
-                <a:off x="5808311" y="2119899"/>
-                <a:ext cx="344646" cy="461024"/>
-              </a:xfrm>
-              <a:prstGeom prst="rect">
-                <a:avLst/>
-              </a:prstGeom>
-              <a:noFill/>
-            </p:spPr>
-            <p:txBody>
-              <a:bodyPr wrap="none" lIns="0" tIns="0" rIns="0" bIns="0" rtlCol="0">
-                <a:spAutoFit/>
-              </a:bodyPr>
-              <a:lstStyle/>
-              <a:p>
-                <a:pPr/>
-                <a14:m>
-                  <m:oMathPara xmlns:m="http://schemas.openxmlformats.org/officeDocument/2006/math">
-                    <m:oMathParaPr>
-                      <m:jc m:val="centerGroup"/>
-                    </m:oMathParaPr>
-                    <m:oMath xmlns:m="http://schemas.openxmlformats.org/officeDocument/2006/math">
-                      <m:r>
-                        <a:rPr lang="en-US" sz="1600" b="1" i="1" smtClean="0">
-                          <a:latin typeface="Cambria Math" panose="02040503050406030204" pitchFamily="18" charset="0"/>
-                        </a:rPr>
-                        <m:t>  </m:t>
-                      </m:r>
-                      <m:f>
-                        <m:fPr>
-                          <m:ctrlPr>
-                            <a:rPr lang="en-US" sz="1600" b="1" i="1">
-                              <a:latin typeface="Cambria Math" panose="02040503050406030204" pitchFamily="18" charset="0"/>
-                            </a:rPr>
-                          </m:ctrlPr>
-                        </m:fPr>
-                        <m:num>
-                          <m:r>
-                            <a:rPr lang="en-US" sz="1600" b="1" i="1">
-                              <a:latin typeface="Cambria Math" panose="02040503050406030204" pitchFamily="18" charset="0"/>
-                            </a:rPr>
-                            <m:t>𝟏</m:t>
-                          </m:r>
-                        </m:num>
-                        <m:den>
-                          <m:r>
-                            <a:rPr lang="en-US" sz="1600" b="1" i="1" smtClean="0">
-                              <a:latin typeface="Cambria Math" panose="02040503050406030204" pitchFamily="18" charset="0"/>
-                            </a:rPr>
-                            <m:t>𝟒</m:t>
-                          </m:r>
-                        </m:den>
-                      </m:f>
-                      <m:r>
-                        <a:rPr lang="en-US" sz="1600" b="1" i="1">
-                          <a:latin typeface="Cambria Math" panose="02040503050406030204" pitchFamily="18" charset="0"/>
-                        </a:rPr>
-                        <m:t>  </m:t>
-                      </m:r>
-                    </m:oMath>
-                  </m:oMathPara>
-                </a14:m>
-                <a:endParaRPr lang="en-US" sz="1600" b="1" dirty="0"/>
-              </a:p>
-            </p:txBody>
-          </p:sp>
-        </mc:Choice>
-        <mc:Fallback xmlns="">
-          <p:sp>
-            <p:nvSpPr>
-              <p:cNvPr id="35" name="TextBox 34">
-                <a:extLst>
-                  <a:ext uri="{FF2B5EF4-FFF2-40B4-BE49-F238E27FC236}">
-                    <a16:creationId xmlns:a16="http://schemas.microsoft.com/office/drawing/2014/main" id="{2873A338-5648-5041-6743-5FF2B3019BF2}"/>
-                  </a:ext>
-                </a:extLst>
-              </p:cNvPr>
-              <p:cNvSpPr txBox="1">
-                <a:spLocks noRot="1" noChangeAspect="1" noMove="1" noResize="1" noEditPoints="1" noAdjustHandles="1" noChangeArrowheads="1" noChangeShapeType="1" noTextEdit="1"/>
-              </p:cNvSpPr>
-              <p:nvPr/>
-            </p:nvSpPr>
-            <p:spPr>
-              <a:xfrm>
-                <a:off x="5808311" y="2119899"/>
-                <a:ext cx="344646" cy="461024"/>
-              </a:xfrm>
-              <a:prstGeom prst="rect">
-                <a:avLst/>
-              </a:prstGeom>
-              <a:blipFill>
-                <a:blip r:embed="rId13"/>
-                <a:stretch>
-                  <a:fillRect/>
-                </a:stretch>
-              </a:blipFill>
-            </p:spPr>
-            <p:txBody>
-              <a:bodyPr/>
-              <a:lstStyle/>
-              <a:p>
-                <a:r>
-                  <a:rPr lang="en-US">
-                    <a:noFill/>
-                  </a:rPr>
-                  <a:t> </a:t>
-                </a:r>
-              </a:p>
-            </p:txBody>
-          </p:sp>
-        </mc:Fallback>
-      </mc:AlternateContent>
-      <mc:AlternateContent xmlns:mc="http://schemas.openxmlformats.org/markup-compatibility/2006" xmlns:a14="http://schemas.microsoft.com/office/drawing/2010/main">
-        <mc:Choice Requires="a14">
+      <mc:AlternateContent xmlns:mc="http://schemas.openxmlformats.org/markup-compatibility/2006">
+        <mc:Choice xmlns:a14="http://schemas.microsoft.com/office/drawing/2010/main" Requires="a14">
           <p:sp>
             <p:nvSpPr>
               <p:cNvPr id="36" name="TextBox 35">
@@ -4688,7 +4561,7 @@
             </p:nvSpPr>
             <p:spPr>
               <a:xfrm>
-                <a:off x="5808311" y="1543431"/>
+                <a:off x="5837339" y="1201022"/>
                 <a:ext cx="344646" cy="461024"/>
               </a:xfrm>
               <a:prstGeom prst="rect">
@@ -4754,7 +4627,7 @@
             </p:txBody>
           </p:sp>
         </mc:Choice>
-        <mc:Fallback xmlns="">
+        <mc:Fallback>
           <p:sp>
             <p:nvSpPr>
               <p:cNvPr id="36" name="TextBox 35">
@@ -4771,14 +4644,14 @@
             </p:nvSpPr>
             <p:spPr>
               <a:xfrm>
-                <a:off x="5808311" y="1543431"/>
+                <a:off x="5837339" y="1201022"/>
                 <a:ext cx="344646" cy="461024"/>
               </a:xfrm>
               <a:prstGeom prst="rect">
                 <a:avLst/>
               </a:prstGeom>
               <a:blipFill>
-                <a:blip r:embed="rId14"/>
+                <a:blip r:embed="rId13"/>
                 <a:stretch>
                   <a:fillRect/>
                 </a:stretch>
@@ -4818,7 +4691,7 @@
         <p:spPr>
           <a:xfrm>
             <a:off x="3646467" y="1194684"/>
-            <a:ext cx="2161844" cy="2791"/>
+            <a:ext cx="2190872" cy="845622"/>
           </a:xfrm>
           <a:prstGeom prst="straightConnector1">
             <a:avLst/>
@@ -4863,9 +4736,9 @@
           <p:nvPr/>
         </p:nvCxnSpPr>
         <p:spPr>
-          <a:xfrm>
-            <a:off x="3646467" y="1773319"/>
-            <a:ext cx="2161844" cy="624"/>
+          <a:xfrm flipV="1">
+            <a:off x="3653289" y="1431534"/>
+            <a:ext cx="2184050" cy="395911"/>
           </a:xfrm>
           <a:prstGeom prst="straightConnector1">
             <a:avLst/>
@@ -4905,14 +4778,14 @@
           <p:cNvCxnSpPr>
             <a:cxnSpLocks/>
             <a:stCxn id="13" idx="3"/>
-            <a:endCxn id="35" idx="1"/>
+            <a:endCxn id="20" idx="1"/>
           </p:cNvCxnSpPr>
           <p:nvPr/>
         </p:nvCxnSpPr>
         <p:spPr>
           <a:xfrm flipV="1">
-            <a:off x="3646467" y="2350411"/>
-            <a:ext cx="2161844" cy="1543"/>
+            <a:off x="3653289" y="2040306"/>
+            <a:ext cx="2184050" cy="419900"/>
           </a:xfrm>
           <a:prstGeom prst="straightConnector1">
             <a:avLst/>
@@ -4940,8 +4813,8 @@
           </a:fontRef>
         </p:style>
       </p:cxnSp>
-      <mc:AlternateContent xmlns:mc="http://schemas.openxmlformats.org/markup-compatibility/2006">
-        <mc:Choice xmlns:a14="http://schemas.microsoft.com/office/drawing/2010/main" Requires="a14">
+      <mc:AlternateContent xmlns:mc="http://schemas.openxmlformats.org/markup-compatibility/2006" xmlns:a14="http://schemas.microsoft.com/office/drawing/2010/main">
+        <mc:Choice Requires="a14">
           <p:sp>
             <p:nvSpPr>
               <p:cNvPr id="5" name="TextBox 4">
@@ -5036,7 +4909,7 @@
             </p:txBody>
           </p:sp>
         </mc:Choice>
-        <mc:Fallback>
+        <mc:Fallback xmlns="">
           <p:sp>
             <p:nvSpPr>
               <p:cNvPr id="5" name="TextBox 4">
